--- a/presentation/Präsentation.pptx
+++ b/presentation/Präsentation.pptx
@@ -3470,13 +3470,6 @@
               </a:rPr>
               <a:t> 2020</a:t>
             </a:r>
-            <a:endParaRPr lang="de-DE" altLang="de-DE" sz="2400" b="1" kern="0" dirty="0" smtClean="0">
-              <a:solidFill>
-                <a:schemeClr val="bg1"/>
-              </a:solidFill>
-              <a:latin typeface="Arial" panose="020B0604020202020204" pitchFamily="34" charset="0"/>
-              <a:cs typeface="Arial" panose="020B0604020202020204" pitchFamily="34" charset="0"/>
-            </a:endParaRPr>
           </a:p>
           <a:p>
             <a:pPr eaLnBrk="1" hangingPunct="1">
@@ -3524,7 +3517,7 @@
         <p:spPr>
           <a:xfrm>
             <a:off x="257175" y="4869160"/>
-            <a:ext cx="3954785" cy="707886"/>
+            <a:ext cx="3954785" cy="400110"/>
           </a:xfrm>
           <a:prstGeom prst="rect">
             <a:avLst/>
@@ -3563,19 +3556,6 @@
               <a:latin typeface="Arial" panose="020B0604020202020204" pitchFamily="34" charset="0"/>
               <a:cs typeface="Arial" panose="020B0604020202020204" pitchFamily="34" charset="0"/>
             </a:endParaRPr>
-          </a:p>
-          <a:p>
-            <a:r>
-              <a:rPr lang="de-DE" sz="2000" kern="0" dirty="0" smtClean="0">
-                <a:solidFill>
-                  <a:schemeClr val="bg1"/>
-                </a:solidFill>
-                <a:latin typeface="Arial" panose="020B0604020202020204" pitchFamily="34" charset="0"/>
-                <a:cs typeface="Arial" panose="020B0604020202020204" pitchFamily="34" charset="0"/>
-              </a:rPr>
-              <a:t>Franz Thomas Gabriel</a:t>
-            </a:r>
-            <a:endParaRPr lang="de-DE" sz="2000" dirty="0"/>
           </a:p>
         </p:txBody>
       </p:sp>
@@ -3824,14 +3804,6 @@
               </a:rPr>
               <a:t>More Tasks</a:t>
             </a:r>
-            <a:endParaRPr lang="de-DE" altLang="de-DE" sz="1400" b="1" dirty="0" smtClean="0">
-              <a:solidFill>
-                <a:schemeClr val="tx1">
-                  <a:lumMod val="75000"/>
-                  <a:lumOff val="25000"/>
-                </a:schemeClr>
-              </a:solidFill>
-            </a:endParaRPr>
           </a:p>
           <a:p>
             <a:pPr marL="0" indent="0">
@@ -4226,11 +4198,7 @@
             </a:pPr>
             <a:r>
               <a:rPr lang="de-DE" altLang="de-DE" sz="1000" dirty="0" smtClean="0"/>
-              <a:t>Fachgebiet Internettechnologie</a:t>
-            </a:r>
-            <a:r>
-              <a:rPr lang="de-DE" altLang="de-DE" sz="1000" dirty="0" smtClean="0"/>
-              <a:t> </a:t>
+              <a:t>Fachgebiet Internettechnologie </a:t>
             </a:r>
             <a:r>
               <a:rPr lang="de-DE" altLang="de-DE" sz="1000" dirty="0"/>
@@ -4408,12 +4376,6 @@
               </a:rPr>
               <a:t>Information Management</a:t>
             </a:r>
-            <a:endParaRPr lang="de-DE" altLang="de-DE" sz="1800" b="1" dirty="0" smtClean="0">
-              <a:solidFill>
-                <a:srgbClr val="009BD2"/>
-              </a:solidFill>
-              <a:cs typeface="Arial" charset="0"/>
-            </a:endParaRPr>
           </a:p>
         </p:txBody>
       </p:sp>
@@ -4426,14 +4388,14 @@
           <p:nvPr>
             <p:extLst>
               <p:ext uri="{D42A27DB-BD31-4B8C-83A1-F6EECF244321}">
-                <p14:modId xmlns:p14="http://schemas.microsoft.com/office/powerpoint/2010/main" val="4208479056"/>
+                <p14:modId xmlns:p14="http://schemas.microsoft.com/office/powerpoint/2010/main" val="3715171525"/>
               </p:ext>
             </p:extLst>
           </p:nvPr>
         </p:nvGraphicFramePr>
         <p:xfrm>
           <a:off x="457200" y="1483519"/>
-          <a:ext cx="7162800" cy="3708400"/>
+          <a:ext cx="7162800" cy="2966720"/>
         </p:xfrm>
         <a:graphic>
           <a:graphicData uri="http://schemas.openxmlformats.org/drawingml/2006/table">
@@ -4514,6 +4476,30 @@
                     <a:bodyPr/>
                     <a:lstStyle/>
                     <a:p>
+                      <a:r>
+                        <a:rPr lang="de-DE" sz="1400" dirty="0" smtClean="0">
+                          <a:solidFill>
+                            <a:schemeClr val="tx1"/>
+                          </a:solidFill>
+                        </a:rPr>
+                        <a:t>Task </a:t>
+                      </a:r>
+                      <a:r>
+                        <a:rPr lang="de-DE" sz="1400" dirty="0" err="1" smtClean="0">
+                          <a:solidFill>
+                            <a:schemeClr val="tx1"/>
+                          </a:solidFill>
+                        </a:rPr>
+                        <a:t>limit</a:t>
+                      </a:r>
+                      <a:r>
+                        <a:rPr lang="de-DE" sz="1400" dirty="0" smtClean="0">
+                          <a:solidFill>
+                            <a:schemeClr val="tx1"/>
+                          </a:solidFill>
+                        </a:rPr>
+                        <a:t> 1</a:t>
+                      </a:r>
                       <a:endParaRPr lang="de-DE" sz="1400" dirty="0">
                         <a:solidFill>
                           <a:schemeClr val="tx1"/>
@@ -4528,7 +4514,87 @@
                     <a:bodyPr/>
                     <a:lstStyle/>
                     <a:p>
-                      <a:endParaRPr lang="de-DE" sz="1400" dirty="0">
+                      <a:r>
+                        <a:rPr lang="de-DE" sz="1400" dirty="0" smtClean="0">
+                          <a:solidFill>
+                            <a:schemeClr val="tx1"/>
+                          </a:solidFill>
+                        </a:rPr>
+                        <a:t>Every </a:t>
+                      </a:r>
+                      <a:r>
+                        <a:rPr lang="de-DE" sz="1400" dirty="0" err="1" smtClean="0">
+                          <a:solidFill>
+                            <a:schemeClr val="tx1"/>
+                          </a:solidFill>
+                        </a:rPr>
+                        <a:t>task</a:t>
+                      </a:r>
+                      <a:r>
+                        <a:rPr lang="de-DE" sz="1400" baseline="0" dirty="0" smtClean="0">
+                          <a:solidFill>
+                            <a:schemeClr val="tx1"/>
+                          </a:solidFill>
+                        </a:rPr>
+                        <a:t> </a:t>
+                      </a:r>
+                      <a:r>
+                        <a:rPr lang="de-DE" sz="1400" baseline="0" dirty="0" err="1" smtClean="0">
+                          <a:solidFill>
+                            <a:schemeClr val="tx1"/>
+                          </a:solidFill>
+                        </a:rPr>
+                        <a:t>has</a:t>
+                      </a:r>
+                      <a:r>
+                        <a:rPr lang="de-DE" sz="1400" baseline="0" dirty="0" smtClean="0">
+                          <a:solidFill>
+                            <a:schemeClr val="tx1"/>
+                          </a:solidFill>
+                        </a:rPr>
+                        <a:t> </a:t>
+                      </a:r>
+                      <a:r>
+                        <a:rPr lang="de-DE" sz="1400" baseline="0" dirty="0" err="1" smtClean="0">
+                          <a:solidFill>
+                            <a:schemeClr val="tx1"/>
+                          </a:solidFill>
+                        </a:rPr>
+                        <a:t>only</a:t>
+                      </a:r>
+                      <a:r>
+                        <a:rPr lang="de-DE" sz="1400" baseline="0" dirty="0" smtClean="0">
+                          <a:solidFill>
+                            <a:schemeClr val="tx1"/>
+                          </a:solidFill>
+                        </a:rPr>
+                        <a:t> </a:t>
+                      </a:r>
+                      <a:r>
+                        <a:rPr lang="de-DE" sz="1400" baseline="0" dirty="0" err="1" smtClean="0">
+                          <a:solidFill>
+                            <a:schemeClr val="tx1"/>
+                          </a:solidFill>
+                        </a:rPr>
+                        <a:t>one</a:t>
+                      </a:r>
+                      <a:r>
+                        <a:rPr lang="de-DE" sz="1400" baseline="0" dirty="0" smtClean="0">
+                          <a:solidFill>
+                            <a:schemeClr val="tx1"/>
+                          </a:solidFill>
+                        </a:rPr>
+                        <a:t> </a:t>
+                      </a:r>
+                      <a:r>
+                        <a:rPr lang="de-DE" sz="1400" baseline="0" dirty="0" err="1" smtClean="0">
+                          <a:solidFill>
+                            <a:schemeClr val="tx1"/>
+                          </a:solidFill>
+                        </a:rPr>
+                        <a:t>customer</a:t>
+                      </a:r>
+                      <a:endParaRPr lang="de-DE" sz="1400" baseline="0" dirty="0" smtClean="0">
                         <a:solidFill>
                           <a:schemeClr val="tx1"/>
                         </a:solidFill>
@@ -4549,6 +4615,30 @@
                     <a:bodyPr/>
                     <a:lstStyle/>
                     <a:p>
+                      <a:r>
+                        <a:rPr lang="de-DE" sz="1400" dirty="0" smtClean="0">
+                          <a:solidFill>
+                            <a:schemeClr val="tx1"/>
+                          </a:solidFill>
+                        </a:rPr>
+                        <a:t>Task </a:t>
+                      </a:r>
+                      <a:r>
+                        <a:rPr lang="de-DE" sz="1400" dirty="0" err="1" smtClean="0">
+                          <a:solidFill>
+                            <a:schemeClr val="tx1"/>
+                          </a:solidFill>
+                        </a:rPr>
+                        <a:t>limit</a:t>
+                      </a:r>
+                      <a:r>
+                        <a:rPr lang="de-DE" sz="1400" dirty="0" smtClean="0">
+                          <a:solidFill>
+                            <a:schemeClr val="tx1"/>
+                          </a:solidFill>
+                        </a:rPr>
+                        <a:t> 2</a:t>
+                      </a:r>
                       <a:endParaRPr lang="de-DE" sz="1400" dirty="0">
                         <a:solidFill>
                           <a:schemeClr val="tx1"/>
@@ -4563,7 +4653,87 @@
                     <a:bodyPr/>
                     <a:lstStyle/>
                     <a:p>
-                      <a:endParaRPr lang="de-DE" sz="1400">
+                      <a:r>
+                        <a:rPr lang="de-DE" sz="1400" dirty="0" smtClean="0">
+                          <a:solidFill>
+                            <a:schemeClr val="tx1"/>
+                          </a:solidFill>
+                        </a:rPr>
+                        <a:t>Every </a:t>
+                      </a:r>
+                      <a:r>
+                        <a:rPr lang="de-DE" sz="1400" dirty="0" err="1" smtClean="0">
+                          <a:solidFill>
+                            <a:schemeClr val="tx1"/>
+                          </a:solidFill>
+                        </a:rPr>
+                        <a:t>task</a:t>
+                      </a:r>
+                      <a:r>
+                        <a:rPr lang="de-DE" sz="1400" dirty="0" smtClean="0">
+                          <a:solidFill>
+                            <a:schemeClr val="tx1"/>
+                          </a:solidFill>
+                        </a:rPr>
+                        <a:t> </a:t>
+                      </a:r>
+                      <a:r>
+                        <a:rPr lang="de-DE" sz="1400" dirty="0" err="1" smtClean="0">
+                          <a:solidFill>
+                            <a:schemeClr val="tx1"/>
+                          </a:solidFill>
+                        </a:rPr>
+                        <a:t>has</a:t>
+                      </a:r>
+                      <a:r>
+                        <a:rPr lang="de-DE" sz="1400" dirty="0" smtClean="0">
+                          <a:solidFill>
+                            <a:schemeClr val="tx1"/>
+                          </a:solidFill>
+                        </a:rPr>
+                        <a:t> </a:t>
+                      </a:r>
+                      <a:r>
+                        <a:rPr lang="de-DE" sz="1400" dirty="0" err="1" smtClean="0">
+                          <a:solidFill>
+                            <a:schemeClr val="tx1"/>
+                          </a:solidFill>
+                        </a:rPr>
+                        <a:t>only</a:t>
+                      </a:r>
+                      <a:r>
+                        <a:rPr lang="de-DE" sz="1400" dirty="0" smtClean="0">
+                          <a:solidFill>
+                            <a:schemeClr val="tx1"/>
+                          </a:solidFill>
+                        </a:rPr>
+                        <a:t> </a:t>
+                      </a:r>
+                      <a:r>
+                        <a:rPr lang="de-DE" sz="1400" dirty="0" err="1" smtClean="0">
+                          <a:solidFill>
+                            <a:schemeClr val="tx1"/>
+                          </a:solidFill>
+                        </a:rPr>
+                        <a:t>one</a:t>
+                      </a:r>
+                      <a:r>
+                        <a:rPr lang="de-DE" sz="1400" dirty="0" smtClean="0">
+                          <a:solidFill>
+                            <a:schemeClr val="tx1"/>
+                          </a:solidFill>
+                        </a:rPr>
+                        <a:t> </a:t>
+                      </a:r>
+                      <a:r>
+                        <a:rPr lang="de-DE" sz="1400" dirty="0" err="1" smtClean="0">
+                          <a:solidFill>
+                            <a:schemeClr val="tx1"/>
+                          </a:solidFill>
+                        </a:rPr>
+                        <a:t>provider</a:t>
+                      </a:r>
+                      <a:endParaRPr lang="de-DE" sz="1400" dirty="0">
                         <a:solidFill>
                           <a:schemeClr val="tx1"/>
                         </a:solidFill>
@@ -4584,6 +4754,30 @@
                     <a:bodyPr/>
                     <a:lstStyle/>
                     <a:p>
+                      <a:r>
+                        <a:rPr lang="de-DE" sz="1400" dirty="0" smtClean="0">
+                          <a:solidFill>
+                            <a:schemeClr val="tx1"/>
+                          </a:solidFill>
+                        </a:rPr>
+                        <a:t>Task </a:t>
+                      </a:r>
+                      <a:r>
+                        <a:rPr lang="de-DE" sz="1400" dirty="0" err="1" smtClean="0">
+                          <a:solidFill>
+                            <a:schemeClr val="tx1"/>
+                          </a:solidFill>
+                        </a:rPr>
+                        <a:t>limit</a:t>
+                      </a:r>
+                      <a:r>
+                        <a:rPr lang="de-DE" sz="1400" dirty="0" smtClean="0">
+                          <a:solidFill>
+                            <a:schemeClr val="tx1"/>
+                          </a:solidFill>
+                        </a:rPr>
+                        <a:t> 3</a:t>
+                      </a:r>
                       <a:endParaRPr lang="de-DE" sz="1400" dirty="0">
                         <a:solidFill>
                           <a:schemeClr val="tx1"/>
@@ -4598,6 +4792,70 @@
                     <a:bodyPr/>
                     <a:lstStyle/>
                     <a:p>
+                      <a:r>
+                        <a:rPr lang="de-DE" sz="1400" dirty="0" smtClean="0">
+                          <a:solidFill>
+                            <a:schemeClr val="tx1"/>
+                          </a:solidFill>
+                        </a:rPr>
+                        <a:t>Every </a:t>
+                      </a:r>
+                      <a:r>
+                        <a:rPr lang="de-DE" sz="1400" dirty="0" err="1" smtClean="0">
+                          <a:solidFill>
+                            <a:schemeClr val="tx1"/>
+                          </a:solidFill>
+                        </a:rPr>
+                        <a:t>task</a:t>
+                      </a:r>
+                      <a:r>
+                        <a:rPr lang="de-DE" sz="1400" dirty="0" smtClean="0">
+                          <a:solidFill>
+                            <a:schemeClr val="tx1"/>
+                          </a:solidFill>
+                        </a:rPr>
+                        <a:t> </a:t>
+                      </a:r>
+                      <a:r>
+                        <a:rPr lang="de-DE" sz="1400" dirty="0" err="1" smtClean="0">
+                          <a:solidFill>
+                            <a:schemeClr val="tx1"/>
+                          </a:solidFill>
+                        </a:rPr>
+                        <a:t>has</a:t>
+                      </a:r>
+                      <a:r>
+                        <a:rPr lang="de-DE" sz="1400" dirty="0" smtClean="0">
+                          <a:solidFill>
+                            <a:schemeClr val="tx1"/>
+                          </a:solidFill>
+                        </a:rPr>
+                        <a:t> a </a:t>
+                      </a:r>
+                      <a:r>
+                        <a:rPr lang="de-DE" sz="1400" dirty="0" err="1" smtClean="0">
+                          <a:solidFill>
+                            <a:schemeClr val="tx1"/>
+                          </a:solidFill>
+                        </a:rPr>
+                        <a:t>set</a:t>
+                      </a:r>
+                      <a:r>
+                        <a:rPr lang="de-DE" sz="1400" dirty="0" smtClean="0">
+                          <a:solidFill>
+                            <a:schemeClr val="tx1"/>
+                          </a:solidFill>
+                        </a:rPr>
+                        <a:t> </a:t>
+                      </a:r>
+                      <a:r>
+                        <a:rPr lang="de-DE" sz="1400" dirty="0" err="1" smtClean="0">
+                          <a:solidFill>
+                            <a:schemeClr val="tx1"/>
+                          </a:solidFill>
+                        </a:rPr>
+                        <a:t>deadline</a:t>
+                      </a:r>
                       <a:endParaRPr lang="de-DE" sz="1400" dirty="0">
                         <a:solidFill>
                           <a:schemeClr val="tx1"/>
@@ -4619,6 +4877,30 @@
                     <a:bodyPr/>
                     <a:lstStyle/>
                     <a:p>
+                      <a:r>
+                        <a:rPr lang="de-DE" sz="1400" dirty="0" smtClean="0">
+                          <a:solidFill>
+                            <a:schemeClr val="tx1"/>
+                          </a:solidFill>
+                        </a:rPr>
+                        <a:t>Update</a:t>
+                      </a:r>
+                      <a:r>
+                        <a:rPr lang="de-DE" sz="1400" baseline="0" dirty="0" smtClean="0">
+                          <a:solidFill>
+                            <a:schemeClr val="tx1"/>
+                          </a:solidFill>
+                        </a:rPr>
+                        <a:t> </a:t>
+                      </a:r>
+                      <a:r>
+                        <a:rPr lang="de-DE" sz="1400" baseline="0" dirty="0" err="1" smtClean="0">
+                          <a:solidFill>
+                            <a:schemeClr val="tx1"/>
+                          </a:solidFill>
+                        </a:rPr>
+                        <a:t>people</a:t>
+                      </a:r>
                       <a:endParaRPr lang="de-DE" sz="1400" dirty="0">
                         <a:solidFill>
                           <a:schemeClr val="tx1"/>
@@ -4633,6 +4915,110 @@
                     <a:bodyPr/>
                     <a:lstStyle/>
                     <a:p>
+                      <a:r>
+                        <a:rPr lang="de-DE" sz="1400" dirty="0" smtClean="0">
+                          <a:solidFill>
+                            <a:schemeClr val="tx1"/>
+                          </a:solidFill>
+                        </a:rPr>
+                        <a:t>Change </a:t>
+                      </a:r>
+                      <a:r>
+                        <a:rPr lang="de-DE" sz="1400" dirty="0" err="1" smtClean="0">
+                          <a:solidFill>
+                            <a:schemeClr val="tx1"/>
+                          </a:solidFill>
+                        </a:rPr>
+                        <a:t>the</a:t>
+                      </a:r>
+                      <a:r>
+                        <a:rPr lang="de-DE" sz="1400" dirty="0" smtClean="0">
+                          <a:solidFill>
+                            <a:schemeClr val="tx1"/>
+                          </a:solidFill>
+                        </a:rPr>
+                        <a:t> </a:t>
+                      </a:r>
+                      <a:r>
+                        <a:rPr lang="de-DE" sz="1400" dirty="0" err="1" smtClean="0">
+                          <a:solidFill>
+                            <a:schemeClr val="tx1"/>
+                          </a:solidFill>
+                        </a:rPr>
+                        <a:t>name</a:t>
+                      </a:r>
+                      <a:r>
+                        <a:rPr lang="de-DE" sz="1400" baseline="0" dirty="0" smtClean="0">
+                          <a:solidFill>
+                            <a:schemeClr val="tx1"/>
+                          </a:solidFill>
+                        </a:rPr>
+                        <a:t> </a:t>
+                      </a:r>
+                      <a:r>
+                        <a:rPr lang="de-DE" sz="1400" baseline="0" dirty="0" err="1" smtClean="0">
+                          <a:solidFill>
+                            <a:schemeClr val="tx1"/>
+                          </a:solidFill>
+                        </a:rPr>
+                        <a:t>of</a:t>
+                      </a:r>
+                      <a:r>
+                        <a:rPr lang="de-DE" sz="1400" baseline="0" dirty="0" smtClean="0">
+                          <a:solidFill>
+                            <a:schemeClr val="tx1"/>
+                          </a:solidFill>
+                        </a:rPr>
+                        <a:t> a </a:t>
+                      </a:r>
+                      <a:r>
+                        <a:rPr lang="de-DE" sz="1400" baseline="0" dirty="0" err="1" smtClean="0">
+                          <a:solidFill>
+                            <a:schemeClr val="tx1"/>
+                          </a:solidFill>
+                        </a:rPr>
+                        <a:t>person</a:t>
+                      </a:r>
+                      <a:r>
+                        <a:rPr lang="de-DE" sz="1400" baseline="0" dirty="0" smtClean="0">
+                          <a:solidFill>
+                            <a:schemeClr val="tx1"/>
+                          </a:solidFill>
+                        </a:rPr>
+                        <a:t> (</a:t>
+                      </a:r>
+                      <a:r>
+                        <a:rPr lang="de-DE" sz="1400" baseline="0" dirty="0" err="1" smtClean="0">
+                          <a:solidFill>
+                            <a:schemeClr val="tx1"/>
+                          </a:solidFill>
+                        </a:rPr>
+                        <a:t>customer</a:t>
+                      </a:r>
+                      <a:r>
+                        <a:rPr lang="de-DE" sz="1400" baseline="0" dirty="0" smtClean="0">
+                          <a:solidFill>
+                            <a:schemeClr val="tx1"/>
+                          </a:solidFill>
+                        </a:rPr>
+                        <a:t>/</a:t>
+                      </a:r>
+                      <a:r>
+                        <a:rPr lang="de-DE" sz="1400" baseline="0" dirty="0" err="1" smtClean="0">
+                          <a:solidFill>
+                            <a:schemeClr val="tx1"/>
+                          </a:solidFill>
+                        </a:rPr>
+                        <a:t>provider</a:t>
+                      </a:r>
+                      <a:r>
+                        <a:rPr lang="de-DE" sz="1400" baseline="0" dirty="0" smtClean="0">
+                          <a:solidFill>
+                            <a:schemeClr val="tx1"/>
+                          </a:solidFill>
+                        </a:rPr>
+                        <a:t>)</a:t>
+                      </a:r>
                       <a:endParaRPr lang="de-DE" sz="1400" dirty="0">
                         <a:solidFill>
                           <a:schemeClr val="tx1"/>
@@ -4654,6 +5040,22 @@
                     <a:bodyPr/>
                     <a:lstStyle/>
                     <a:p>
+                      <a:r>
+                        <a:rPr lang="de-DE" sz="1400" dirty="0" smtClean="0">
+                          <a:solidFill>
+                            <a:schemeClr val="tx1"/>
+                          </a:solidFill>
+                        </a:rPr>
+                        <a:t>List </a:t>
+                      </a:r>
+                      <a:r>
+                        <a:rPr lang="de-DE" sz="1400" dirty="0" err="1" smtClean="0">
+                          <a:solidFill>
+                            <a:schemeClr val="tx1"/>
+                          </a:solidFill>
+                        </a:rPr>
+                        <a:t>people</a:t>
+                      </a:r>
                       <a:endParaRPr lang="de-DE" sz="1400" dirty="0">
                         <a:solidFill>
                           <a:schemeClr val="tx1"/>
@@ -4668,6 +5070,70 @@
                     <a:bodyPr/>
                     <a:lstStyle/>
                     <a:p>
+                      <a:r>
+                        <a:rPr lang="de-DE" sz="1400" dirty="0" smtClean="0">
+                          <a:solidFill>
+                            <a:schemeClr val="tx1"/>
+                          </a:solidFill>
+                        </a:rPr>
+                        <a:t>List all </a:t>
+                      </a:r>
+                      <a:r>
+                        <a:rPr lang="de-DE" sz="1400" dirty="0" err="1" smtClean="0">
+                          <a:solidFill>
+                            <a:schemeClr val="tx1"/>
+                          </a:solidFill>
+                        </a:rPr>
+                        <a:t>people</a:t>
+                      </a:r>
+                      <a:r>
+                        <a:rPr lang="de-DE" sz="1400" baseline="0" dirty="0" smtClean="0">
+                          <a:solidFill>
+                            <a:schemeClr val="tx1"/>
+                          </a:solidFill>
+                        </a:rPr>
+                        <a:t> </a:t>
+                      </a:r>
+                      <a:r>
+                        <a:rPr lang="de-DE" sz="1400" baseline="0" dirty="0" err="1" smtClean="0">
+                          <a:solidFill>
+                            <a:schemeClr val="tx1"/>
+                          </a:solidFill>
+                        </a:rPr>
+                        <a:t>with</a:t>
+                      </a:r>
+                      <a:r>
+                        <a:rPr lang="de-DE" sz="1400" baseline="0" dirty="0" smtClean="0">
+                          <a:solidFill>
+                            <a:schemeClr val="tx1"/>
+                          </a:solidFill>
+                        </a:rPr>
+                        <a:t> </a:t>
+                      </a:r>
+                      <a:r>
+                        <a:rPr lang="de-DE" sz="1400" baseline="0" dirty="0" err="1" smtClean="0">
+                          <a:solidFill>
+                            <a:schemeClr val="tx1"/>
+                          </a:solidFill>
+                        </a:rPr>
+                        <a:t>their</a:t>
+                      </a:r>
+                      <a:r>
+                        <a:rPr lang="de-DE" sz="1400" baseline="0" dirty="0" smtClean="0">
+                          <a:solidFill>
+                            <a:schemeClr val="tx1"/>
+                          </a:solidFill>
+                        </a:rPr>
+                        <a:t> </a:t>
+                      </a:r>
+                      <a:r>
+                        <a:rPr lang="de-DE" sz="1400" baseline="0" dirty="0" err="1" smtClean="0">
+                          <a:solidFill>
+                            <a:schemeClr val="tx1"/>
+                          </a:solidFill>
+                        </a:rPr>
+                        <a:t>roles</a:t>
+                      </a:r>
                       <a:endParaRPr lang="de-DE" sz="1400" dirty="0">
                         <a:solidFill>
                           <a:schemeClr val="tx1"/>
@@ -4689,6 +5155,38 @@
                     <a:bodyPr/>
                     <a:lstStyle/>
                     <a:p>
+                      <a:r>
+                        <a:rPr lang="de-DE" sz="1400" dirty="0" smtClean="0">
+                          <a:solidFill>
+                            <a:schemeClr val="tx1"/>
+                          </a:solidFill>
+                        </a:rPr>
+                        <a:t>List </a:t>
+                      </a:r>
+                      <a:r>
+                        <a:rPr lang="de-DE" sz="1400" dirty="0" err="1" smtClean="0">
+                          <a:solidFill>
+                            <a:schemeClr val="tx1"/>
+                          </a:solidFill>
+                        </a:rPr>
+                        <a:t>cust</a:t>
+                      </a:r>
+                      <a:r>
+                        <a:rPr lang="de-DE" sz="1400" dirty="0" smtClean="0">
+                          <a:solidFill>
+                            <a:schemeClr val="tx1"/>
+                          </a:solidFill>
+                        </a:rPr>
+                        <a:t>/</a:t>
+                      </a:r>
+                      <a:r>
+                        <a:rPr lang="de-DE" sz="1400" dirty="0" err="1" smtClean="0">
+                          <a:solidFill>
+                            <a:schemeClr val="tx1"/>
+                          </a:solidFill>
+                        </a:rPr>
+                        <a:t>prov</a:t>
+                      </a:r>
                       <a:endParaRPr lang="de-DE" sz="1400" dirty="0">
                         <a:solidFill>
                           <a:schemeClr val="tx1"/>
@@ -4703,6 +5201,70 @@
                     <a:bodyPr/>
                     <a:lstStyle/>
                     <a:p>
+                      <a:r>
+                        <a:rPr lang="de-DE" sz="1400" dirty="0" smtClean="0">
+                          <a:solidFill>
+                            <a:schemeClr val="tx1"/>
+                          </a:solidFill>
+                        </a:rPr>
+                        <a:t>List all </a:t>
+                      </a:r>
+                      <a:r>
+                        <a:rPr lang="de-DE" sz="1400" dirty="0" err="1" smtClean="0">
+                          <a:solidFill>
+                            <a:schemeClr val="tx1"/>
+                          </a:solidFill>
+                        </a:rPr>
+                        <a:t>customers</a:t>
+                      </a:r>
+                      <a:r>
+                        <a:rPr lang="de-DE" sz="1400" dirty="0" smtClean="0">
+                          <a:solidFill>
+                            <a:schemeClr val="tx1"/>
+                          </a:solidFill>
+                        </a:rPr>
+                        <a:t> </a:t>
+                      </a:r>
+                      <a:r>
+                        <a:rPr lang="de-DE" sz="1400" dirty="0" err="1" smtClean="0">
+                          <a:solidFill>
+                            <a:schemeClr val="tx1"/>
+                          </a:solidFill>
+                        </a:rPr>
+                        <a:t>with</a:t>
+                      </a:r>
+                      <a:r>
+                        <a:rPr lang="de-DE" sz="1400" dirty="0" smtClean="0">
+                          <a:solidFill>
+                            <a:schemeClr val="tx1"/>
+                          </a:solidFill>
+                        </a:rPr>
+                        <a:t> </a:t>
+                      </a:r>
+                      <a:r>
+                        <a:rPr lang="de-DE" sz="1400" dirty="0" err="1" smtClean="0">
+                          <a:solidFill>
+                            <a:schemeClr val="tx1"/>
+                          </a:solidFill>
+                        </a:rPr>
+                        <a:t>their</a:t>
+                      </a:r>
+                      <a:r>
+                        <a:rPr lang="de-DE" sz="1400" dirty="0" smtClean="0">
+                          <a:solidFill>
+                            <a:schemeClr val="tx1"/>
+                          </a:solidFill>
+                        </a:rPr>
+                        <a:t> </a:t>
+                      </a:r>
+                      <a:r>
+                        <a:rPr lang="de-DE" sz="1400" dirty="0" err="1" smtClean="0">
+                          <a:solidFill>
+                            <a:schemeClr val="tx1"/>
+                          </a:solidFill>
+                        </a:rPr>
+                        <a:t>providers</a:t>
+                      </a:r>
                       <a:endParaRPr lang="de-DE" sz="1400" dirty="0">
                         <a:solidFill>
                           <a:schemeClr val="tx1"/>
@@ -4724,6 +5286,54 @@
                     <a:bodyPr/>
                     <a:lstStyle/>
                     <a:p>
+                      <a:r>
+                        <a:rPr lang="de-DE" sz="1400" dirty="0" smtClean="0">
+                          <a:solidFill>
+                            <a:schemeClr val="tx1"/>
+                          </a:solidFill>
+                        </a:rPr>
+                        <a:t>List </a:t>
+                      </a:r>
+                      <a:r>
+                        <a:rPr lang="de-DE" sz="1400" dirty="0" err="1" smtClean="0">
+                          <a:solidFill>
+                            <a:schemeClr val="tx1"/>
+                          </a:solidFill>
+                        </a:rPr>
+                        <a:t>prov</a:t>
+                      </a:r>
+                      <a:r>
+                        <a:rPr lang="de-DE" sz="1400" dirty="0" smtClean="0">
+                          <a:solidFill>
+                            <a:schemeClr val="tx1"/>
+                          </a:solidFill>
+                        </a:rPr>
+                        <a:t>/</a:t>
+                      </a:r>
+                      <a:r>
+                        <a:rPr lang="de-DE" sz="1400" dirty="0" err="1" smtClean="0">
+                          <a:solidFill>
+                            <a:schemeClr val="tx1"/>
+                          </a:solidFill>
+                        </a:rPr>
+                        <a:t>cust</a:t>
+                      </a:r>
+                      <a:r>
+                        <a:rPr lang="de-DE" sz="1400" dirty="0" smtClean="0">
+                          <a:solidFill>
+                            <a:schemeClr val="tx1"/>
+                          </a:solidFill>
+                        </a:rPr>
+                        <a:t>/</a:t>
+                      </a:r>
+                      <a:r>
+                        <a:rPr lang="de-DE" sz="1400" dirty="0" err="1" smtClean="0">
+                          <a:solidFill>
+                            <a:schemeClr val="tx1"/>
+                          </a:solidFill>
+                        </a:rPr>
+                        <a:t>task</a:t>
+                      </a:r>
                       <a:endParaRPr lang="de-DE" sz="1400" dirty="0">
                         <a:solidFill>
                           <a:schemeClr val="tx1"/>
@@ -4738,6 +5348,102 @@
                     <a:bodyPr/>
                     <a:lstStyle/>
                     <a:p>
+                      <a:r>
+                        <a:rPr lang="de-DE" sz="1400" dirty="0" smtClean="0">
+                          <a:solidFill>
+                            <a:schemeClr val="tx1"/>
+                          </a:solidFill>
+                        </a:rPr>
+                        <a:t>List all </a:t>
+                      </a:r>
+                      <a:r>
+                        <a:rPr lang="de-DE" sz="1400" dirty="0" err="1" smtClean="0">
+                          <a:solidFill>
+                            <a:schemeClr val="tx1"/>
+                          </a:solidFill>
+                        </a:rPr>
+                        <a:t>providers</a:t>
+                      </a:r>
+                      <a:r>
+                        <a:rPr lang="de-DE" sz="1400" baseline="0" dirty="0" smtClean="0">
+                          <a:solidFill>
+                            <a:schemeClr val="tx1"/>
+                          </a:solidFill>
+                        </a:rPr>
+                        <a:t> </a:t>
+                      </a:r>
+                      <a:r>
+                        <a:rPr lang="de-DE" sz="1400" baseline="0" dirty="0" err="1" smtClean="0">
+                          <a:solidFill>
+                            <a:schemeClr val="tx1"/>
+                          </a:solidFill>
+                        </a:rPr>
+                        <a:t>with</a:t>
+                      </a:r>
+                      <a:r>
+                        <a:rPr lang="de-DE" sz="1400" baseline="0" dirty="0" smtClean="0">
+                          <a:solidFill>
+                            <a:schemeClr val="tx1"/>
+                          </a:solidFill>
+                        </a:rPr>
+                        <a:t> </a:t>
+                      </a:r>
+                      <a:r>
+                        <a:rPr lang="de-DE" sz="1400" baseline="0" dirty="0" err="1" smtClean="0">
+                          <a:solidFill>
+                            <a:schemeClr val="tx1"/>
+                          </a:solidFill>
+                        </a:rPr>
+                        <a:t>their</a:t>
+                      </a:r>
+                      <a:r>
+                        <a:rPr lang="de-DE" sz="1400" baseline="0" dirty="0" smtClean="0">
+                          <a:solidFill>
+                            <a:schemeClr val="tx1"/>
+                          </a:solidFill>
+                        </a:rPr>
+                        <a:t> </a:t>
+                      </a:r>
+                      <a:r>
+                        <a:rPr lang="de-DE" sz="1400" baseline="0" dirty="0" err="1" smtClean="0">
+                          <a:solidFill>
+                            <a:schemeClr val="tx1"/>
+                          </a:solidFill>
+                        </a:rPr>
+                        <a:t>customers</a:t>
+                      </a:r>
+                      <a:r>
+                        <a:rPr lang="de-DE" sz="1400" baseline="0" dirty="0" smtClean="0">
+                          <a:solidFill>
+                            <a:schemeClr val="tx1"/>
+                          </a:solidFill>
+                        </a:rPr>
+                        <a:t> </a:t>
+                      </a:r>
+                      <a:r>
+                        <a:rPr lang="de-DE" sz="1400" baseline="0" dirty="0" err="1" smtClean="0">
+                          <a:solidFill>
+                            <a:schemeClr val="tx1"/>
+                          </a:solidFill>
+                        </a:rPr>
+                        <a:t>and</a:t>
+                      </a:r>
+                      <a:r>
+                        <a:rPr lang="de-DE" sz="1400" baseline="0" dirty="0" smtClean="0">
+                          <a:solidFill>
+                            <a:schemeClr val="tx1"/>
+                          </a:solidFill>
+                        </a:rPr>
+                        <a:t> </a:t>
+                      </a:r>
+                      <a:r>
+                        <a:rPr lang="de-DE" sz="1400" baseline="0" dirty="0" err="1" smtClean="0">
+                          <a:solidFill>
+                            <a:schemeClr val="tx1"/>
+                          </a:solidFill>
+                        </a:rPr>
+                        <a:t>services</a:t>
+                      </a:r>
                       <a:endParaRPr lang="de-DE" sz="1400" dirty="0">
                         <a:solidFill>
                           <a:schemeClr val="tx1"/>
@@ -4750,76 +5456,6 @@
                 <a:extLst>
                   <a:ext uri="{0D108BD9-81ED-4DB2-BD59-A6C34878D82A}">
                     <a16:rowId xmlns:a16="http://schemas.microsoft.com/office/drawing/2014/main" val="4167089518"/>
-                  </a:ext>
-                </a:extLst>
-              </a:tr>
-              <a:tr h="370840">
-                <a:tc>
-                  <a:txBody>
-                    <a:bodyPr/>
-                    <a:lstStyle/>
-                    <a:p>
-                      <a:endParaRPr lang="de-DE" sz="1400" dirty="0">
-                        <a:solidFill>
-                          <a:schemeClr val="tx1"/>
-                        </a:solidFill>
-                      </a:endParaRPr>
-                    </a:p>
-                  </a:txBody>
-                  <a:tcPr/>
-                </a:tc>
-                <a:tc>
-                  <a:txBody>
-                    <a:bodyPr/>
-                    <a:lstStyle/>
-                    <a:p>
-                      <a:endParaRPr lang="de-DE" sz="1400" dirty="0">
-                        <a:solidFill>
-                          <a:schemeClr val="tx1"/>
-                        </a:solidFill>
-                      </a:endParaRPr>
-                    </a:p>
-                  </a:txBody>
-                  <a:tcPr/>
-                </a:tc>
-                <a:extLst>
-                  <a:ext uri="{0D108BD9-81ED-4DB2-BD59-A6C34878D82A}">
-                    <a16:rowId xmlns:a16="http://schemas.microsoft.com/office/drawing/2014/main" val="2498719193"/>
-                  </a:ext>
-                </a:extLst>
-              </a:tr>
-              <a:tr h="370840">
-                <a:tc>
-                  <a:txBody>
-                    <a:bodyPr/>
-                    <a:lstStyle/>
-                    <a:p>
-                      <a:endParaRPr lang="de-DE" sz="1400" dirty="0">
-                        <a:solidFill>
-                          <a:schemeClr val="tx1"/>
-                        </a:solidFill>
-                      </a:endParaRPr>
-                    </a:p>
-                  </a:txBody>
-                  <a:tcPr/>
-                </a:tc>
-                <a:tc>
-                  <a:txBody>
-                    <a:bodyPr/>
-                    <a:lstStyle/>
-                    <a:p>
-                      <a:endParaRPr lang="de-DE" sz="1400" dirty="0">
-                        <a:solidFill>
-                          <a:schemeClr val="tx1"/>
-                        </a:solidFill>
-                      </a:endParaRPr>
-                    </a:p>
-                  </a:txBody>
-                  <a:tcPr/>
-                </a:tc>
-                <a:extLst>
-                  <a:ext uri="{0D108BD9-81ED-4DB2-BD59-A6C34878D82A}">
-                    <a16:rowId xmlns:a16="http://schemas.microsoft.com/office/drawing/2014/main" val="2605686098"/>
                   </a:ext>
                 </a:extLst>
               </a:tr>
@@ -5415,15 +6051,7 @@
                   <a:srgbClr val="009BD2"/>
                 </a:solidFill>
               </a:rPr>
-              <a:t>T</a:t>
-            </a:r>
-            <a:r>
-              <a:rPr lang="de-DE" altLang="de-DE" sz="2000" dirty="0" err="1" smtClean="0">
-                <a:solidFill>
-                  <a:srgbClr val="009BD2"/>
-                </a:solidFill>
-              </a:rPr>
-              <a:t>hank</a:t>
+              <a:t>Thank</a:t>
             </a:r>
             <a:r>
               <a:rPr lang="de-DE" altLang="de-DE" sz="2000" dirty="0" smtClean="0">
@@ -5631,7 +6259,6 @@
               <a:rPr lang="de-DE" altLang="de-DE" sz="1000" dirty="0"/>
               <a:t>Fachgebiet Internettechnologie Prof. Dr. phil. habil. Gerd Wagner </a:t>
             </a:r>
-            <a:endParaRPr lang="de-DE" altLang="de-DE" sz="1000" dirty="0"/>
           </a:p>
         </p:txBody>
       </p:sp>
@@ -7602,11 +8229,7 @@
             </a:pPr>
             <a:r>
               <a:rPr lang="de-DE" altLang="de-DE" sz="1000" dirty="0" smtClean="0"/>
-              <a:t>Fachgebiet Internettechnologie</a:t>
-            </a:r>
-            <a:r>
-              <a:rPr lang="de-DE" altLang="de-DE" sz="1000" dirty="0" smtClean="0"/>
-              <a:t> </a:t>
+              <a:t>Fachgebiet Internettechnologie </a:t>
             </a:r>
             <a:r>
               <a:rPr lang="de-DE" altLang="de-DE" sz="1000" dirty="0"/>
@@ -7784,12 +8407,6 @@
               </a:rPr>
               <a:t>Business Description</a:t>
             </a:r>
-            <a:endParaRPr lang="de-DE" altLang="de-DE" sz="1800" b="1" dirty="0" smtClean="0">
-              <a:solidFill>
-                <a:srgbClr val="009BD2"/>
-              </a:solidFill>
-              <a:cs typeface="Arial" charset="0"/>
-            </a:endParaRPr>
           </a:p>
         </p:txBody>
       </p:sp>
@@ -8076,18 +8693,7 @@
                   </a:schemeClr>
                 </a:solidFill>
               </a:rPr>
-              <a:t>FreeLancing</a:t>
-            </a:r>
-            <a:r>
-              <a:rPr lang="de-DE" altLang="de-DE" sz="1300" dirty="0" smtClean="0">
-                <a:solidFill>
-                  <a:schemeClr val="tx1">
-                    <a:lumMod val="75000"/>
-                    <a:lumOff val="25000"/>
-                  </a:schemeClr>
-                </a:solidFill>
-              </a:rPr>
-              <a:t> Club</a:t>
+              <a:t>FreestyleFreeLancing</a:t>
             </a:r>
             <a:endParaRPr lang="de-DE" altLang="de-DE" sz="1300" dirty="0">
               <a:solidFill>
@@ -8206,7 +8812,7 @@
                   </a:schemeClr>
                 </a:solidFill>
               </a:rPr>
-              <a:t>https://www.lancestylecottbus.de</a:t>
+              <a:t>www.freestylefreelancing.de</a:t>
             </a:r>
             <a:endParaRPr lang="de-DE" altLang="de-DE" sz="1300" dirty="0">
               <a:solidFill>
@@ -8598,11 +9204,7 @@
             </a:pPr>
             <a:r>
               <a:rPr lang="de-DE" altLang="de-DE" sz="1000" dirty="0" smtClean="0"/>
-              <a:t>Fachgebiet Internettechnologie</a:t>
-            </a:r>
-            <a:r>
-              <a:rPr lang="de-DE" altLang="de-DE" sz="1000" dirty="0" smtClean="0"/>
-              <a:t> </a:t>
+              <a:t>Fachgebiet Internettechnologie </a:t>
             </a:r>
             <a:r>
               <a:rPr lang="de-DE" altLang="de-DE" sz="1000" dirty="0"/>
@@ -8780,12 +9382,6 @@
               </a:rPr>
               <a:t>Business Description</a:t>
             </a:r>
-            <a:endParaRPr lang="de-DE" altLang="de-DE" sz="1800" b="1" dirty="0" smtClean="0">
-              <a:solidFill>
-                <a:srgbClr val="009BD2"/>
-              </a:solidFill>
-              <a:cs typeface="Arial" charset="0"/>
-            </a:endParaRPr>
           </a:p>
         </p:txBody>
       </p:sp>
@@ -10808,11 +11404,7 @@
             </a:pPr>
             <a:r>
               <a:rPr lang="de-DE" altLang="de-DE" sz="1000" dirty="0" smtClean="0"/>
-              <a:t>Fachgebiet Internettechnologie</a:t>
-            </a:r>
-            <a:r>
-              <a:rPr lang="de-DE" altLang="de-DE" sz="1000" dirty="0" smtClean="0"/>
-              <a:t> </a:t>
+              <a:t>Fachgebiet Internettechnologie </a:t>
             </a:r>
             <a:r>
               <a:rPr lang="de-DE" altLang="de-DE" sz="1000" dirty="0"/>
@@ -12444,11 +13036,7 @@
             </a:pPr>
             <a:r>
               <a:rPr lang="de-DE" altLang="de-DE" sz="1000" dirty="0" smtClean="0"/>
-              <a:t>Fachgebiet Internettechnologie</a:t>
-            </a:r>
-            <a:r>
-              <a:rPr lang="de-DE" altLang="de-DE" sz="1000" dirty="0" smtClean="0"/>
-              <a:t> </a:t>
+              <a:t>Fachgebiet Internettechnologie </a:t>
             </a:r>
             <a:r>
               <a:rPr lang="de-DE" altLang="de-DE" sz="1000" dirty="0"/>
@@ -13135,14 +13723,6 @@
               </a:rPr>
               <a:t>Tasks</a:t>
             </a:r>
-            <a:endParaRPr lang="de-DE" altLang="de-DE" sz="1400" b="1" dirty="0" smtClean="0">
-              <a:solidFill>
-                <a:schemeClr val="tx1">
-                  <a:lumMod val="75000"/>
-                  <a:lumOff val="25000"/>
-                </a:schemeClr>
-              </a:solidFill>
-            </a:endParaRPr>
           </a:p>
           <a:p>
             <a:pPr marL="0" indent="0">
@@ -13537,11 +14117,7 @@
             </a:pPr>
             <a:r>
               <a:rPr lang="de-DE" altLang="de-DE" sz="1000" dirty="0" smtClean="0"/>
-              <a:t>Fachgebiet Internettechnologie</a:t>
-            </a:r>
-            <a:r>
-              <a:rPr lang="de-DE" altLang="de-DE" sz="1000" dirty="0" smtClean="0"/>
-              <a:t> </a:t>
+              <a:t>Fachgebiet Internettechnologie </a:t>
             </a:r>
             <a:r>
               <a:rPr lang="de-DE" altLang="de-DE" sz="1000" dirty="0"/>
@@ -13719,12 +14295,6 @@
               </a:rPr>
               <a:t>Information Management</a:t>
             </a:r>
-            <a:endParaRPr lang="de-DE" altLang="de-DE" sz="1800" b="1" dirty="0" smtClean="0">
-              <a:solidFill>
-                <a:srgbClr val="009BD2"/>
-              </a:solidFill>
-              <a:cs typeface="Arial" charset="0"/>
-            </a:endParaRPr>
           </a:p>
         </p:txBody>
       </p:sp>
@@ -13737,7 +14307,7 @@
           <p:nvPr>
             <p:extLst>
               <p:ext uri="{D42A27DB-BD31-4B8C-83A1-F6EECF244321}">
-                <p14:modId xmlns:p14="http://schemas.microsoft.com/office/powerpoint/2010/main" val="4208479056"/>
+                <p14:modId xmlns:p14="http://schemas.microsoft.com/office/powerpoint/2010/main" val="3826286420"/>
               </p:ext>
             </p:extLst>
           </p:nvPr>
@@ -13825,6 +14395,22 @@
                     <a:bodyPr/>
                     <a:lstStyle/>
                     <a:p>
+                      <a:r>
+                        <a:rPr lang="de-DE" sz="1400" dirty="0" smtClean="0">
+                          <a:solidFill>
+                            <a:schemeClr val="tx1"/>
+                          </a:solidFill>
+                        </a:rPr>
+                        <a:t>Create </a:t>
+                      </a:r>
+                      <a:r>
+                        <a:rPr lang="de-DE" sz="1400" dirty="0" err="1" smtClean="0">
+                          <a:solidFill>
+                            <a:schemeClr val="tx1"/>
+                          </a:solidFill>
+                        </a:rPr>
+                        <a:t>profile</a:t>
+                      </a:r>
                       <a:endParaRPr lang="de-DE" sz="1400" dirty="0">
                         <a:solidFill>
                           <a:schemeClr val="tx1"/>
@@ -13839,6 +14425,86 @@
                     <a:bodyPr/>
                     <a:lstStyle/>
                     <a:p>
+                      <a:r>
+                        <a:rPr lang="de-DE" sz="1400" dirty="0" smtClean="0">
+                          <a:solidFill>
+                            <a:schemeClr val="tx1"/>
+                          </a:solidFill>
+                        </a:rPr>
+                        <a:t>As a </a:t>
+                      </a:r>
+                      <a:r>
+                        <a:rPr lang="de-DE" sz="1400" dirty="0" err="1" smtClean="0">
+                          <a:solidFill>
+                            <a:schemeClr val="tx1"/>
+                          </a:solidFill>
+                        </a:rPr>
+                        <a:t>person</a:t>
+                      </a:r>
+                      <a:r>
+                        <a:rPr lang="de-DE" sz="1400" dirty="0" smtClean="0">
+                          <a:solidFill>
+                            <a:schemeClr val="tx1"/>
+                          </a:solidFill>
+                        </a:rPr>
+                        <a:t>, a </a:t>
+                      </a:r>
+                      <a:r>
+                        <a:rPr lang="de-DE" sz="1400" dirty="0" err="1" smtClean="0">
+                          <a:solidFill>
+                            <a:schemeClr val="tx1"/>
+                          </a:solidFill>
+                        </a:rPr>
+                        <a:t>customer</a:t>
+                      </a:r>
+                      <a:r>
+                        <a:rPr lang="de-DE" sz="1400" dirty="0" smtClean="0">
+                          <a:solidFill>
+                            <a:schemeClr val="tx1"/>
+                          </a:solidFill>
+                        </a:rPr>
+                        <a:t> </a:t>
+                      </a:r>
+                      <a:r>
+                        <a:rPr lang="de-DE" sz="1400" dirty="0" err="1" smtClean="0">
+                          <a:solidFill>
+                            <a:schemeClr val="tx1"/>
+                          </a:solidFill>
+                        </a:rPr>
+                        <a:t>or</a:t>
+                      </a:r>
+                      <a:r>
+                        <a:rPr lang="de-DE" sz="1400" dirty="0" smtClean="0">
+                          <a:solidFill>
+                            <a:schemeClr val="tx1"/>
+                          </a:solidFill>
+                        </a:rPr>
+                        <a:t> </a:t>
+                      </a:r>
+                      <a:r>
+                        <a:rPr lang="de-DE" sz="1400" dirty="0" err="1" smtClean="0">
+                          <a:solidFill>
+                            <a:schemeClr val="tx1"/>
+                          </a:solidFill>
+                        </a:rPr>
+                        <a:t>as</a:t>
+                      </a:r>
+                      <a:r>
+                        <a:rPr lang="de-DE" sz="1400" dirty="0" smtClean="0">
+                          <a:solidFill>
+                            <a:schemeClr val="tx1"/>
+                          </a:solidFill>
+                        </a:rPr>
+                        <a:t> a </a:t>
+                      </a:r>
+                      <a:r>
+                        <a:rPr lang="de-DE" sz="1400" dirty="0" err="1" smtClean="0">
+                          <a:solidFill>
+                            <a:schemeClr val="tx1"/>
+                          </a:solidFill>
+                        </a:rPr>
+                        <a:t>provider</a:t>
+                      </a:r>
                       <a:endParaRPr lang="de-DE" sz="1400" dirty="0">
                         <a:solidFill>
                           <a:schemeClr val="tx1"/>
@@ -13860,6 +14526,22 @@
                     <a:bodyPr/>
                     <a:lstStyle/>
                     <a:p>
+                      <a:r>
+                        <a:rPr lang="de-DE" sz="1400" dirty="0" smtClean="0">
+                          <a:solidFill>
+                            <a:schemeClr val="tx1"/>
+                          </a:solidFill>
+                        </a:rPr>
+                        <a:t>Unique </a:t>
+                      </a:r>
+                      <a:r>
+                        <a:rPr lang="de-DE" sz="1400" dirty="0" err="1" smtClean="0">
+                          <a:solidFill>
+                            <a:schemeClr val="tx1"/>
+                          </a:solidFill>
+                        </a:rPr>
+                        <a:t>profile</a:t>
+                      </a:r>
                       <a:endParaRPr lang="de-DE" sz="1400" dirty="0">
                         <a:solidFill>
                           <a:schemeClr val="tx1"/>
@@ -13874,7 +14556,71 @@
                     <a:bodyPr/>
                     <a:lstStyle/>
                     <a:p>
-                      <a:endParaRPr lang="de-DE" sz="1400">
+                      <a:r>
+                        <a:rPr lang="de-DE" sz="1400" dirty="0" smtClean="0">
+                          <a:solidFill>
+                            <a:schemeClr val="tx1"/>
+                          </a:solidFill>
+                        </a:rPr>
+                        <a:t>Every </a:t>
+                      </a:r>
+                      <a:r>
+                        <a:rPr lang="de-DE" sz="1400" dirty="0" err="1" smtClean="0">
+                          <a:solidFill>
+                            <a:schemeClr val="tx1"/>
+                          </a:solidFill>
+                        </a:rPr>
+                        <a:t>profile</a:t>
+                      </a:r>
+                      <a:r>
+                        <a:rPr lang="de-DE" sz="1400" dirty="0" smtClean="0">
+                          <a:solidFill>
+                            <a:schemeClr val="tx1"/>
+                          </a:solidFill>
+                        </a:rPr>
+                        <a:t> </a:t>
+                      </a:r>
+                      <a:r>
+                        <a:rPr lang="de-DE" sz="1400" dirty="0" err="1" smtClean="0">
+                          <a:solidFill>
+                            <a:schemeClr val="tx1"/>
+                          </a:solidFill>
+                        </a:rPr>
+                        <a:t>should</a:t>
+                      </a:r>
+                      <a:r>
+                        <a:rPr lang="de-DE" sz="1400" dirty="0" smtClean="0">
+                          <a:solidFill>
+                            <a:schemeClr val="tx1"/>
+                          </a:solidFill>
+                        </a:rPr>
+                        <a:t> </a:t>
+                      </a:r>
+                      <a:r>
+                        <a:rPr lang="de-DE" sz="1400" dirty="0" err="1" smtClean="0">
+                          <a:solidFill>
+                            <a:schemeClr val="tx1"/>
+                          </a:solidFill>
+                        </a:rPr>
+                        <a:t>be</a:t>
+                      </a:r>
+                      <a:r>
+                        <a:rPr lang="de-DE" sz="1400" dirty="0" smtClean="0">
+                          <a:solidFill>
+                            <a:schemeClr val="tx1"/>
+                          </a:solidFill>
+                        </a:rPr>
+                        <a:t> </a:t>
+                      </a:r>
+                      <a:r>
+                        <a:rPr lang="de-DE" sz="1400" dirty="0" err="1" smtClean="0">
+                          <a:solidFill>
+                            <a:schemeClr val="tx1"/>
+                          </a:solidFill>
+                        </a:rPr>
+                        <a:t>unique</a:t>
+                      </a:r>
+                      <a:endParaRPr lang="de-DE" sz="1400" dirty="0" smtClean="0">
                         <a:solidFill>
                           <a:schemeClr val="tx1"/>
                         </a:solidFill>
@@ -13895,6 +14641,22 @@
                     <a:bodyPr/>
                     <a:lstStyle/>
                     <a:p>
+                      <a:r>
+                        <a:rPr lang="de-DE" sz="1400" dirty="0" smtClean="0">
+                          <a:solidFill>
+                            <a:schemeClr val="tx1"/>
+                          </a:solidFill>
+                        </a:rPr>
+                        <a:t>Unique </a:t>
+                      </a:r>
+                      <a:r>
+                        <a:rPr lang="de-DE" sz="1400" dirty="0" err="1" smtClean="0">
+                          <a:solidFill>
+                            <a:schemeClr val="tx1"/>
+                          </a:solidFill>
+                        </a:rPr>
+                        <a:t>provider</a:t>
+                      </a:r>
                       <a:endParaRPr lang="de-DE" sz="1400" dirty="0">
                         <a:solidFill>
                           <a:schemeClr val="tx1"/>
@@ -13909,6 +14671,102 @@
                     <a:bodyPr/>
                     <a:lstStyle/>
                     <a:p>
+                      <a:r>
+                        <a:rPr lang="de-DE" sz="1400" dirty="0" smtClean="0">
+                          <a:solidFill>
+                            <a:schemeClr val="tx1"/>
+                          </a:solidFill>
+                        </a:rPr>
+                        <a:t>A </a:t>
+                      </a:r>
+                      <a:r>
+                        <a:rPr lang="de-DE" sz="1400" dirty="0" err="1" smtClean="0">
+                          <a:solidFill>
+                            <a:schemeClr val="tx1"/>
+                          </a:solidFill>
+                        </a:rPr>
+                        <a:t>customer</a:t>
+                      </a:r>
+                      <a:r>
+                        <a:rPr lang="de-DE" sz="1400" dirty="0" smtClean="0">
+                          <a:solidFill>
+                            <a:schemeClr val="tx1"/>
+                          </a:solidFill>
+                        </a:rPr>
+                        <a:t> </a:t>
+                      </a:r>
+                      <a:r>
+                        <a:rPr lang="de-DE" sz="1400" dirty="0" err="1" smtClean="0">
+                          <a:solidFill>
+                            <a:schemeClr val="tx1"/>
+                          </a:solidFill>
+                        </a:rPr>
+                        <a:t>should</a:t>
+                      </a:r>
+                      <a:r>
+                        <a:rPr lang="de-DE" sz="1400" dirty="0" smtClean="0">
+                          <a:solidFill>
+                            <a:schemeClr val="tx1"/>
+                          </a:solidFill>
+                        </a:rPr>
+                        <a:t> </a:t>
+                      </a:r>
+                      <a:r>
+                        <a:rPr lang="de-DE" sz="1400" dirty="0" err="1" smtClean="0">
+                          <a:solidFill>
+                            <a:schemeClr val="tx1"/>
+                          </a:solidFill>
+                        </a:rPr>
+                        <a:t>only</a:t>
+                      </a:r>
+                      <a:r>
+                        <a:rPr lang="de-DE" sz="1400" dirty="0" smtClean="0">
+                          <a:solidFill>
+                            <a:schemeClr val="tx1"/>
+                          </a:solidFill>
+                        </a:rPr>
+                        <a:t> </a:t>
+                      </a:r>
+                      <a:r>
+                        <a:rPr lang="de-DE" sz="1400" dirty="0" err="1" smtClean="0">
+                          <a:solidFill>
+                            <a:schemeClr val="tx1"/>
+                          </a:solidFill>
+                        </a:rPr>
+                        <a:t>have</a:t>
+                      </a:r>
+                      <a:r>
+                        <a:rPr lang="de-DE" sz="1400" dirty="0" smtClean="0">
+                          <a:solidFill>
+                            <a:schemeClr val="tx1"/>
+                          </a:solidFill>
+                        </a:rPr>
+                        <a:t> </a:t>
+                      </a:r>
+                      <a:r>
+                        <a:rPr lang="de-DE" sz="1400" dirty="0" err="1" smtClean="0">
+                          <a:solidFill>
+                            <a:schemeClr val="tx1"/>
+                          </a:solidFill>
+                        </a:rPr>
+                        <a:t>one</a:t>
+                      </a:r>
+                      <a:r>
+                        <a:rPr lang="de-DE" sz="1400" dirty="0" smtClean="0">
+                          <a:solidFill>
+                            <a:schemeClr val="tx1"/>
+                          </a:solidFill>
+                        </a:rPr>
+                        <a:t> </a:t>
+                      </a:r>
+                      <a:r>
+                        <a:rPr lang="de-DE" sz="1400" dirty="0" err="1" smtClean="0">
+                          <a:solidFill>
+                            <a:schemeClr val="tx1"/>
+                          </a:solidFill>
+                        </a:rPr>
+                        <a:t>provider</a:t>
+                      </a:r>
                       <a:endParaRPr lang="de-DE" sz="1400" dirty="0">
                         <a:solidFill>
                           <a:schemeClr val="tx1"/>
@@ -13930,6 +14788,46 @@
                     <a:bodyPr/>
                     <a:lstStyle/>
                     <a:p>
+                      <a:r>
+                        <a:rPr lang="de-DE" sz="1400" dirty="0" err="1" smtClean="0">
+                          <a:solidFill>
+                            <a:schemeClr val="tx1"/>
+                          </a:solidFill>
+                        </a:rPr>
+                        <a:t>Provide</a:t>
+                      </a:r>
+                      <a:r>
+                        <a:rPr lang="de-DE" sz="1400" dirty="0" smtClean="0">
+                          <a:solidFill>
+                            <a:schemeClr val="tx1"/>
+                          </a:solidFill>
+                        </a:rPr>
+                        <a:t> </a:t>
+                      </a:r>
+                      <a:r>
+                        <a:rPr lang="de-DE" sz="1400" dirty="0" err="1" smtClean="0">
+                          <a:solidFill>
+                            <a:schemeClr val="tx1"/>
+                          </a:solidFill>
+                        </a:rPr>
+                        <a:t>for</a:t>
+                      </a:r>
+                      <a:r>
+                        <a:rPr lang="de-DE" sz="1400" dirty="0" smtClean="0">
+                          <a:solidFill>
+                            <a:schemeClr val="tx1"/>
+                          </a:solidFill>
+                        </a:rPr>
+                        <a:t> </a:t>
+                      </a:r>
+                      <a:r>
+                        <a:rPr lang="de-DE" sz="1400" dirty="0" err="1" smtClean="0">
+                          <a:solidFill>
+                            <a:schemeClr val="tx1"/>
+                          </a:solidFill>
+                        </a:rPr>
+                        <a:t>minimum</a:t>
+                      </a:r>
                       <a:endParaRPr lang="de-DE" sz="1400" dirty="0">
                         <a:solidFill>
                           <a:schemeClr val="tx1"/>
@@ -13944,6 +14842,86 @@
                     <a:bodyPr/>
                     <a:lstStyle/>
                     <a:p>
+                      <a:r>
+                        <a:rPr lang="de-DE" sz="1400" dirty="0" smtClean="0">
+                          <a:solidFill>
+                            <a:schemeClr val="tx1"/>
+                          </a:solidFill>
+                        </a:rPr>
+                        <a:t>A </a:t>
+                      </a:r>
+                      <a:r>
+                        <a:rPr lang="de-DE" sz="1400" dirty="0" err="1" smtClean="0">
+                          <a:solidFill>
+                            <a:schemeClr val="tx1"/>
+                          </a:solidFill>
+                        </a:rPr>
+                        <a:t>provider</a:t>
+                      </a:r>
+                      <a:r>
+                        <a:rPr lang="de-DE" sz="1400" dirty="0" smtClean="0">
+                          <a:solidFill>
+                            <a:schemeClr val="tx1"/>
+                          </a:solidFill>
+                        </a:rPr>
+                        <a:t> </a:t>
+                      </a:r>
+                      <a:r>
+                        <a:rPr lang="de-DE" sz="1400" dirty="0" err="1" smtClean="0">
+                          <a:solidFill>
+                            <a:schemeClr val="tx1"/>
+                          </a:solidFill>
+                        </a:rPr>
+                        <a:t>should</a:t>
+                      </a:r>
+                      <a:r>
+                        <a:rPr lang="de-DE" sz="1400" dirty="0" smtClean="0">
+                          <a:solidFill>
+                            <a:schemeClr val="tx1"/>
+                          </a:solidFill>
+                        </a:rPr>
+                        <a:t> </a:t>
+                      </a:r>
+                      <a:r>
+                        <a:rPr lang="de-DE" sz="1400" dirty="0" err="1" smtClean="0">
+                          <a:solidFill>
+                            <a:schemeClr val="tx1"/>
+                          </a:solidFill>
+                        </a:rPr>
+                        <a:t>have</a:t>
+                      </a:r>
+                      <a:r>
+                        <a:rPr lang="de-DE" sz="1400" dirty="0" smtClean="0">
+                          <a:solidFill>
+                            <a:schemeClr val="tx1"/>
+                          </a:solidFill>
+                        </a:rPr>
+                        <a:t> at least </a:t>
+                      </a:r>
+                      <a:r>
+                        <a:rPr lang="de-DE" sz="1400" dirty="0" err="1" smtClean="0">
+                          <a:solidFill>
+                            <a:schemeClr val="tx1"/>
+                          </a:solidFill>
+                        </a:rPr>
+                        <a:t>one</a:t>
+                      </a:r>
+                      <a:r>
+                        <a:rPr lang="de-DE" sz="1400" dirty="0" smtClean="0">
+                          <a:solidFill>
+                            <a:schemeClr val="tx1"/>
+                          </a:solidFill>
+                        </a:rPr>
+                        <a:t> </a:t>
+                      </a:r>
+                      <a:r>
+                        <a:rPr lang="de-DE" sz="1400" dirty="0" err="1" smtClean="0">
+                          <a:solidFill>
+                            <a:schemeClr val="tx1"/>
+                          </a:solidFill>
+                        </a:rPr>
+                        <a:t>customer</a:t>
+                      </a:r>
                       <a:endParaRPr lang="de-DE" sz="1400" dirty="0">
                         <a:solidFill>
                           <a:schemeClr val="tx1"/>
@@ -13965,6 +14943,38 @@
                     <a:bodyPr/>
                     <a:lstStyle/>
                     <a:p>
+                      <a:r>
+                        <a:rPr lang="de-DE" sz="1400" dirty="0" err="1" smtClean="0">
+                          <a:solidFill>
+                            <a:schemeClr val="tx1"/>
+                          </a:solidFill>
+                        </a:rPr>
+                        <a:t>Possible</a:t>
+                      </a:r>
+                      <a:r>
+                        <a:rPr lang="de-DE" sz="1400" dirty="0" smtClean="0">
+                          <a:solidFill>
+                            <a:schemeClr val="tx1"/>
+                          </a:solidFill>
+                        </a:rPr>
+                        <a:t> </a:t>
+                      </a:r>
+                      <a:r>
+                        <a:rPr lang="de-DE" sz="1400" dirty="0" err="1" smtClean="0">
+                          <a:solidFill>
+                            <a:schemeClr val="tx1"/>
+                          </a:solidFill>
+                        </a:rPr>
+                        <a:t>Roles</a:t>
+                      </a:r>
+                      <a:r>
+                        <a:rPr lang="de-DE" sz="1400" dirty="0" smtClean="0">
+                          <a:solidFill>
+                            <a:schemeClr val="tx1"/>
+                          </a:solidFill>
+                        </a:rPr>
+                        <a:t> </a:t>
+                      </a:r>
                       <a:endParaRPr lang="de-DE" sz="1400" dirty="0">
                         <a:solidFill>
                           <a:schemeClr val="tx1"/>
@@ -13979,11 +14989,110 @@
                     <a:bodyPr/>
                     <a:lstStyle/>
                     <a:p>
-                      <a:endParaRPr lang="de-DE" sz="1400" dirty="0">
-                        <a:solidFill>
-                          <a:schemeClr val="tx1"/>
-                        </a:solidFill>
-                      </a:endParaRPr>
+                      <a:r>
+                        <a:rPr lang="de-DE" sz="1400" dirty="0" smtClean="0">
+                          <a:solidFill>
+                            <a:schemeClr val="tx1"/>
+                          </a:solidFill>
+                        </a:rPr>
+                        <a:t>A </a:t>
+                      </a:r>
+                      <a:r>
+                        <a:rPr lang="de-DE" sz="1400" dirty="0" err="1" smtClean="0">
+                          <a:solidFill>
+                            <a:schemeClr val="tx1"/>
+                          </a:solidFill>
+                        </a:rPr>
+                        <a:t>person</a:t>
+                      </a:r>
+                      <a:r>
+                        <a:rPr lang="de-DE" sz="1400" dirty="0" smtClean="0">
+                          <a:solidFill>
+                            <a:schemeClr val="tx1"/>
+                          </a:solidFill>
+                        </a:rPr>
+                        <a:t> </a:t>
+                      </a:r>
+                      <a:r>
+                        <a:rPr lang="de-DE" sz="1400" dirty="0" err="1" smtClean="0">
+                          <a:solidFill>
+                            <a:schemeClr val="tx1"/>
+                          </a:solidFill>
+                        </a:rPr>
+                        <a:t>can</a:t>
+                      </a:r>
+                      <a:r>
+                        <a:rPr lang="de-DE" sz="1400" dirty="0" smtClean="0">
+                          <a:solidFill>
+                            <a:schemeClr val="tx1"/>
+                          </a:solidFill>
+                        </a:rPr>
+                        <a:t> </a:t>
+                      </a:r>
+                      <a:r>
+                        <a:rPr lang="de-DE" sz="1400" dirty="0" err="1" smtClean="0">
+                          <a:solidFill>
+                            <a:schemeClr val="tx1"/>
+                          </a:solidFill>
+                        </a:rPr>
+                        <a:t>have</a:t>
+                      </a:r>
+                      <a:r>
+                        <a:rPr lang="de-DE" sz="1400" dirty="0" smtClean="0">
+                          <a:solidFill>
+                            <a:schemeClr val="tx1"/>
+                          </a:solidFill>
+                        </a:rPr>
+                        <a:t> also a </a:t>
+                      </a:r>
+                      <a:r>
+                        <a:rPr lang="de-DE" sz="1400" dirty="0" err="1" smtClean="0">
+                          <a:solidFill>
+                            <a:schemeClr val="tx1"/>
+                          </a:solidFill>
+                        </a:rPr>
+                        <a:t>role</a:t>
+                      </a:r>
+                      <a:r>
+                        <a:rPr lang="de-DE" sz="1400" dirty="0" smtClean="0">
+                          <a:solidFill>
+                            <a:schemeClr val="tx1"/>
+                          </a:solidFill>
+                        </a:rPr>
+                        <a:t> (</a:t>
+                      </a:r>
+                      <a:r>
+                        <a:rPr lang="de-DE" sz="1400" dirty="0" err="1" smtClean="0">
+                          <a:solidFill>
+                            <a:schemeClr val="tx1"/>
+                          </a:solidFill>
+                        </a:rPr>
+                        <a:t>cust</a:t>
+                      </a:r>
+                      <a:r>
+                        <a:rPr lang="de-DE" sz="1400" dirty="0" smtClean="0">
+                          <a:solidFill>
+                            <a:schemeClr val="tx1"/>
+                          </a:solidFill>
+                        </a:rPr>
+                        <a:t>/</a:t>
+                      </a:r>
+                      <a:r>
+                        <a:rPr lang="de-DE" sz="1400" dirty="0" err="1" smtClean="0">
+                          <a:solidFill>
+                            <a:schemeClr val="tx1"/>
+                          </a:solidFill>
+                        </a:rPr>
+                        <a:t>prov</a:t>
+                      </a:r>
+                      <a:r>
+                        <a:rPr lang="de-DE" sz="1400" dirty="0" smtClean="0">
+                          <a:solidFill>
+                            <a:schemeClr val="tx1"/>
+                          </a:solidFill>
+                        </a:rPr>
+                        <a:t>)</a:t>
+                      </a:r>
                     </a:p>
                   </a:txBody>
                   <a:tcPr/>
@@ -14000,6 +15109,30 @@
                     <a:bodyPr/>
                     <a:lstStyle/>
                     <a:p>
+                      <a:r>
+                        <a:rPr lang="de-DE" sz="1400" dirty="0" smtClean="0">
+                          <a:solidFill>
+                            <a:schemeClr val="tx1"/>
+                          </a:solidFill>
+                        </a:rPr>
+                        <a:t>Provider</a:t>
+                      </a:r>
+                      <a:r>
+                        <a:rPr lang="de-DE" sz="1400" baseline="0" dirty="0" smtClean="0">
+                          <a:solidFill>
+                            <a:schemeClr val="tx1"/>
+                          </a:solidFill>
+                        </a:rPr>
+                        <a:t> </a:t>
+                      </a:r>
+                      <a:r>
+                        <a:rPr lang="de-DE" sz="1400" baseline="0" dirty="0" err="1" smtClean="0">
+                          <a:solidFill>
+                            <a:schemeClr val="tx1"/>
+                          </a:solidFill>
+                        </a:rPr>
+                        <a:t>limits</a:t>
+                      </a:r>
                       <a:endParaRPr lang="de-DE" sz="1400" dirty="0">
                         <a:solidFill>
                           <a:schemeClr val="tx1"/>
@@ -14014,6 +15147,166 @@
                     <a:bodyPr/>
                     <a:lstStyle/>
                     <a:p>
+                      <a:r>
+                        <a:rPr lang="de-DE" sz="1400" dirty="0" smtClean="0">
+                          <a:solidFill>
+                            <a:schemeClr val="tx1"/>
+                          </a:solidFill>
+                        </a:rPr>
+                        <a:t>Every </a:t>
+                      </a:r>
+                      <a:r>
+                        <a:rPr lang="de-DE" sz="1400" dirty="0" err="1" smtClean="0">
+                          <a:solidFill>
+                            <a:schemeClr val="tx1"/>
+                          </a:solidFill>
+                        </a:rPr>
+                        <a:t>provider</a:t>
+                      </a:r>
+                      <a:r>
+                        <a:rPr lang="de-DE" sz="1400" dirty="0" smtClean="0">
+                          <a:solidFill>
+                            <a:schemeClr val="tx1"/>
+                          </a:solidFill>
+                        </a:rPr>
+                        <a:t> </a:t>
+                      </a:r>
+                      <a:r>
+                        <a:rPr lang="de-DE" sz="1400" dirty="0" err="1" smtClean="0">
+                          <a:solidFill>
+                            <a:schemeClr val="tx1"/>
+                          </a:solidFill>
+                        </a:rPr>
+                        <a:t>is</a:t>
+                      </a:r>
+                      <a:r>
+                        <a:rPr lang="de-DE" sz="1400" dirty="0" smtClean="0">
+                          <a:solidFill>
+                            <a:schemeClr val="tx1"/>
+                          </a:solidFill>
+                        </a:rPr>
+                        <a:t> </a:t>
+                      </a:r>
+                      <a:r>
+                        <a:rPr lang="de-DE" sz="1400" dirty="0" err="1" smtClean="0">
+                          <a:solidFill>
+                            <a:schemeClr val="tx1"/>
+                          </a:solidFill>
+                        </a:rPr>
+                        <a:t>able</a:t>
+                      </a:r>
+                      <a:r>
+                        <a:rPr lang="de-DE" sz="1400" dirty="0" smtClean="0">
+                          <a:solidFill>
+                            <a:schemeClr val="tx1"/>
+                          </a:solidFill>
+                        </a:rPr>
+                        <a:t> </a:t>
+                      </a:r>
+                      <a:r>
+                        <a:rPr lang="de-DE" sz="1400" dirty="0" err="1" smtClean="0">
+                          <a:solidFill>
+                            <a:schemeClr val="tx1"/>
+                          </a:solidFill>
+                        </a:rPr>
+                        <a:t>to</a:t>
+                      </a:r>
+                      <a:r>
+                        <a:rPr lang="de-DE" sz="1400" dirty="0" smtClean="0">
+                          <a:solidFill>
+                            <a:schemeClr val="tx1"/>
+                          </a:solidFill>
+                        </a:rPr>
+                        <a:t> </a:t>
+                      </a:r>
+                      <a:r>
+                        <a:rPr lang="de-DE" sz="1400" dirty="0" err="1" smtClean="0">
+                          <a:solidFill>
+                            <a:schemeClr val="tx1"/>
+                          </a:solidFill>
+                        </a:rPr>
+                        <a:t>work</a:t>
+                      </a:r>
+                      <a:r>
+                        <a:rPr lang="de-DE" sz="1400" dirty="0" smtClean="0">
+                          <a:solidFill>
+                            <a:schemeClr val="tx1"/>
+                          </a:solidFill>
+                        </a:rPr>
+                        <a:t> </a:t>
+                      </a:r>
+                      <a:r>
+                        <a:rPr lang="de-DE" sz="1400" dirty="0" err="1" smtClean="0">
+                          <a:solidFill>
+                            <a:schemeClr val="tx1"/>
+                          </a:solidFill>
+                        </a:rPr>
+                        <a:t>only</a:t>
+                      </a:r>
+                      <a:r>
+                        <a:rPr lang="de-DE" sz="1400" dirty="0" smtClean="0">
+                          <a:solidFill>
+                            <a:schemeClr val="tx1"/>
+                          </a:solidFill>
+                        </a:rPr>
+                        <a:t> </a:t>
+                      </a:r>
+                      <a:r>
+                        <a:rPr lang="de-DE" sz="1400" dirty="0" err="1" smtClean="0">
+                          <a:solidFill>
+                            <a:schemeClr val="tx1"/>
+                          </a:solidFill>
+                        </a:rPr>
+                        <a:t>one</a:t>
+                      </a:r>
+                      <a:r>
+                        <a:rPr lang="de-DE" sz="1400" dirty="0" smtClean="0">
+                          <a:solidFill>
+                            <a:schemeClr val="tx1"/>
+                          </a:solidFill>
+                        </a:rPr>
+                        <a:t> </a:t>
+                      </a:r>
+                      <a:r>
+                        <a:rPr lang="de-DE" sz="1400" dirty="0" err="1" smtClean="0">
+                          <a:solidFill>
+                            <a:schemeClr val="tx1"/>
+                          </a:solidFill>
+                        </a:rPr>
+                        <a:t>kind</a:t>
+                      </a:r>
+                      <a:r>
+                        <a:rPr lang="de-DE" sz="1400" dirty="0" smtClean="0">
+                          <a:solidFill>
+                            <a:schemeClr val="tx1"/>
+                          </a:solidFill>
+                        </a:rPr>
+                        <a:t> </a:t>
+                      </a:r>
+                      <a:r>
+                        <a:rPr lang="de-DE" sz="1400" dirty="0" err="1" smtClean="0">
+                          <a:solidFill>
+                            <a:schemeClr val="tx1"/>
+                          </a:solidFill>
+                        </a:rPr>
+                        <a:t>of</a:t>
+                      </a:r>
+                      <a:r>
+                        <a:rPr lang="de-DE" sz="1400" dirty="0" smtClean="0">
+                          <a:solidFill>
+                            <a:schemeClr val="tx1"/>
+                          </a:solidFill>
+                        </a:rPr>
+                        <a:t> </a:t>
+                      </a:r>
+                      <a:r>
+                        <a:rPr lang="de-DE" sz="1400" dirty="0" err="1" smtClean="0">
+                          <a:solidFill>
+                            <a:schemeClr val="tx1"/>
+                          </a:solidFill>
+                        </a:rPr>
+                        <a:t>job</a:t>
+                      </a:r>
                       <a:endParaRPr lang="de-DE" sz="1400" dirty="0">
                         <a:solidFill>
                           <a:schemeClr val="tx1"/>
@@ -14035,6 +15328,22 @@
                     <a:bodyPr/>
                     <a:lstStyle/>
                     <a:p>
+                      <a:r>
+                        <a:rPr lang="de-DE" sz="1400" dirty="0" smtClean="0">
+                          <a:solidFill>
+                            <a:schemeClr val="tx1"/>
+                          </a:solidFill>
+                        </a:rPr>
+                        <a:t>Task </a:t>
+                      </a:r>
+                      <a:r>
+                        <a:rPr lang="de-DE" sz="1400" dirty="0" err="1" smtClean="0">
+                          <a:solidFill>
+                            <a:schemeClr val="tx1"/>
+                          </a:solidFill>
+                        </a:rPr>
+                        <a:t>creation</a:t>
+                      </a:r>
                       <a:endParaRPr lang="de-DE" sz="1400" dirty="0">
                         <a:solidFill>
                           <a:schemeClr val="tx1"/>
@@ -14049,6 +15358,46 @@
                     <a:bodyPr/>
                     <a:lstStyle/>
                     <a:p>
+                      <a:r>
+                        <a:rPr lang="de-DE" sz="1400" dirty="0" smtClean="0">
+                          <a:solidFill>
+                            <a:schemeClr val="tx1"/>
+                          </a:solidFill>
+                        </a:rPr>
+                        <a:t>Create</a:t>
+                      </a:r>
+                      <a:r>
+                        <a:rPr lang="de-DE" sz="1400" baseline="0" dirty="0" smtClean="0">
+                          <a:solidFill>
+                            <a:schemeClr val="tx1"/>
+                          </a:solidFill>
+                        </a:rPr>
+                        <a:t> a </a:t>
+                      </a:r>
+                      <a:r>
+                        <a:rPr lang="de-DE" sz="1400" baseline="0" dirty="0" err="1" smtClean="0">
+                          <a:solidFill>
+                            <a:schemeClr val="tx1"/>
+                          </a:solidFill>
+                        </a:rPr>
+                        <a:t>new</a:t>
+                      </a:r>
+                      <a:r>
+                        <a:rPr lang="de-DE" sz="1400" baseline="0" dirty="0" smtClean="0">
+                          <a:solidFill>
+                            <a:schemeClr val="tx1"/>
+                          </a:solidFill>
+                        </a:rPr>
+                        <a:t> </a:t>
+                      </a:r>
+                      <a:r>
+                        <a:rPr lang="de-DE" sz="1400" baseline="0" dirty="0" err="1" smtClean="0">
+                          <a:solidFill>
+                            <a:schemeClr val="tx1"/>
+                          </a:solidFill>
+                        </a:rPr>
+                        <a:t>task</a:t>
+                      </a:r>
                       <a:endParaRPr lang="de-DE" sz="1400" dirty="0">
                         <a:solidFill>
                           <a:schemeClr val="tx1"/>
@@ -14070,6 +15419,22 @@
                     <a:bodyPr/>
                     <a:lstStyle/>
                     <a:p>
+                      <a:r>
+                        <a:rPr lang="de-DE" sz="1400" dirty="0" smtClean="0">
+                          <a:solidFill>
+                            <a:schemeClr val="tx1"/>
+                          </a:solidFill>
+                        </a:rPr>
+                        <a:t>Unique </a:t>
+                      </a:r>
+                      <a:r>
+                        <a:rPr lang="de-DE" sz="1400" dirty="0" err="1" smtClean="0">
+                          <a:solidFill>
+                            <a:schemeClr val="tx1"/>
+                          </a:solidFill>
+                        </a:rPr>
+                        <a:t>tasks</a:t>
+                      </a:r>
                       <a:endParaRPr lang="de-DE" sz="1400" dirty="0">
                         <a:solidFill>
                           <a:schemeClr val="tx1"/>
@@ -14084,6 +15449,70 @@
                     <a:bodyPr/>
                     <a:lstStyle/>
                     <a:p>
+                      <a:r>
+                        <a:rPr lang="de-DE" sz="1400" dirty="0" smtClean="0">
+                          <a:solidFill>
+                            <a:schemeClr val="tx1"/>
+                          </a:solidFill>
+                        </a:rPr>
+                        <a:t>Every </a:t>
+                      </a:r>
+                      <a:r>
+                        <a:rPr lang="de-DE" sz="1400" dirty="0" err="1" smtClean="0">
+                          <a:solidFill>
+                            <a:schemeClr val="tx1"/>
+                          </a:solidFill>
+                        </a:rPr>
+                        <a:t>task</a:t>
+                      </a:r>
+                      <a:r>
+                        <a:rPr lang="de-DE" sz="1400" dirty="0" smtClean="0">
+                          <a:solidFill>
+                            <a:schemeClr val="tx1"/>
+                          </a:solidFill>
+                        </a:rPr>
+                        <a:t> </a:t>
+                      </a:r>
+                      <a:r>
+                        <a:rPr lang="de-DE" sz="1400" dirty="0" err="1" smtClean="0">
+                          <a:solidFill>
+                            <a:schemeClr val="tx1"/>
+                          </a:solidFill>
+                        </a:rPr>
+                        <a:t>should</a:t>
+                      </a:r>
+                      <a:r>
+                        <a:rPr lang="de-DE" sz="1400" dirty="0" smtClean="0">
+                          <a:solidFill>
+                            <a:schemeClr val="tx1"/>
+                          </a:solidFill>
+                        </a:rPr>
+                        <a:t> </a:t>
+                      </a:r>
+                      <a:r>
+                        <a:rPr lang="de-DE" sz="1400" dirty="0" err="1" smtClean="0">
+                          <a:solidFill>
+                            <a:schemeClr val="tx1"/>
+                          </a:solidFill>
+                        </a:rPr>
+                        <a:t>be</a:t>
+                      </a:r>
+                      <a:r>
+                        <a:rPr lang="de-DE" sz="1400" dirty="0" smtClean="0">
+                          <a:solidFill>
+                            <a:schemeClr val="tx1"/>
+                          </a:solidFill>
+                        </a:rPr>
+                        <a:t> </a:t>
+                      </a:r>
+                      <a:r>
+                        <a:rPr lang="de-DE" sz="1400" dirty="0" err="1" smtClean="0">
+                          <a:solidFill>
+                            <a:schemeClr val="tx1"/>
+                          </a:solidFill>
+                        </a:rPr>
+                        <a:t>uniqe</a:t>
+                      </a:r>
                       <a:endParaRPr lang="de-DE" sz="1400" dirty="0">
                         <a:solidFill>
                           <a:schemeClr val="tx1"/>
@@ -14105,6 +15534,22 @@
                     <a:bodyPr/>
                     <a:lstStyle/>
                     <a:p>
+                      <a:r>
+                        <a:rPr lang="de-DE" sz="1400" dirty="0" smtClean="0">
+                          <a:solidFill>
+                            <a:schemeClr val="tx1"/>
+                          </a:solidFill>
+                        </a:rPr>
+                        <a:t>Task </a:t>
+                      </a:r>
+                      <a:r>
+                        <a:rPr lang="de-DE" sz="1400" dirty="0" err="1" smtClean="0">
+                          <a:solidFill>
+                            <a:schemeClr val="tx1"/>
+                          </a:solidFill>
+                        </a:rPr>
+                        <a:t>theme</a:t>
+                      </a:r>
                       <a:endParaRPr lang="de-DE" sz="1400" dirty="0">
                         <a:solidFill>
                           <a:schemeClr val="tx1"/>
@@ -14119,6 +15564,126 @@
                     <a:bodyPr/>
                     <a:lstStyle/>
                     <a:p>
+                      <a:r>
+                        <a:rPr lang="de-DE" sz="1400" dirty="0" smtClean="0">
+                          <a:solidFill>
+                            <a:schemeClr val="tx1"/>
+                          </a:solidFill>
+                        </a:rPr>
+                        <a:t>Every </a:t>
+                      </a:r>
+                      <a:r>
+                        <a:rPr lang="de-DE" sz="1400" dirty="0" err="1" smtClean="0">
+                          <a:solidFill>
+                            <a:schemeClr val="tx1"/>
+                          </a:solidFill>
+                        </a:rPr>
+                        <a:t>task</a:t>
+                      </a:r>
+                      <a:r>
+                        <a:rPr lang="de-DE" sz="1400" dirty="0" smtClean="0">
+                          <a:solidFill>
+                            <a:schemeClr val="tx1"/>
+                          </a:solidFill>
+                        </a:rPr>
+                        <a:t> </a:t>
+                      </a:r>
+                      <a:r>
+                        <a:rPr lang="de-DE" sz="1400" dirty="0" err="1" smtClean="0">
+                          <a:solidFill>
+                            <a:schemeClr val="tx1"/>
+                          </a:solidFill>
+                        </a:rPr>
+                        <a:t>should</a:t>
+                      </a:r>
+                      <a:r>
+                        <a:rPr lang="de-DE" sz="1400" dirty="0" smtClean="0">
+                          <a:solidFill>
+                            <a:schemeClr val="tx1"/>
+                          </a:solidFill>
+                        </a:rPr>
+                        <a:t> </a:t>
+                      </a:r>
+                      <a:r>
+                        <a:rPr lang="de-DE" sz="1400" dirty="0" err="1" smtClean="0">
+                          <a:solidFill>
+                            <a:schemeClr val="tx1"/>
+                          </a:solidFill>
+                        </a:rPr>
+                        <a:t>have</a:t>
+                      </a:r>
+                      <a:r>
+                        <a:rPr lang="de-DE" sz="1400" dirty="0" smtClean="0">
+                          <a:solidFill>
+                            <a:schemeClr val="tx1"/>
+                          </a:solidFill>
+                        </a:rPr>
+                        <a:t> a </a:t>
+                      </a:r>
+                      <a:r>
+                        <a:rPr lang="de-DE" sz="1400" dirty="0" err="1" smtClean="0">
+                          <a:solidFill>
+                            <a:schemeClr val="tx1"/>
+                          </a:solidFill>
+                        </a:rPr>
+                        <a:t>field</a:t>
+                      </a:r>
+                      <a:r>
+                        <a:rPr lang="de-DE" sz="1400" dirty="0" smtClean="0">
+                          <a:solidFill>
+                            <a:schemeClr val="tx1"/>
+                          </a:solidFill>
+                        </a:rPr>
+                        <a:t> (</a:t>
+                      </a:r>
+                      <a:r>
+                        <a:rPr lang="de-DE" sz="1400" dirty="0" err="1" smtClean="0">
+                          <a:solidFill>
+                            <a:schemeClr val="tx1"/>
+                          </a:solidFill>
+                        </a:rPr>
+                        <a:t>website</a:t>
+                      </a:r>
+                      <a:r>
+                        <a:rPr lang="de-DE" sz="1400" baseline="0" dirty="0" smtClean="0">
+                          <a:solidFill>
+                            <a:schemeClr val="tx1"/>
+                          </a:solidFill>
+                        </a:rPr>
+                        <a:t>, </a:t>
+                      </a:r>
+                      <a:r>
+                        <a:rPr lang="de-DE" sz="1400" baseline="0" dirty="0" err="1" smtClean="0">
+                          <a:solidFill>
+                            <a:schemeClr val="tx1"/>
+                          </a:solidFill>
+                        </a:rPr>
+                        <a:t>app</a:t>
+                      </a:r>
+                      <a:r>
+                        <a:rPr lang="de-DE" sz="1400" baseline="0" dirty="0" smtClean="0">
+                          <a:solidFill>
+                            <a:schemeClr val="tx1"/>
+                          </a:solidFill>
+                        </a:rPr>
+                        <a:t>, </a:t>
+                      </a:r>
+                      <a:r>
+                        <a:rPr lang="de-DE" sz="1400" baseline="0" dirty="0" err="1" smtClean="0">
+                          <a:solidFill>
+                            <a:schemeClr val="tx1"/>
+                          </a:solidFill>
+                        </a:rPr>
+                        <a:t>table</a:t>
+                      </a:r>
+                      <a:r>
+                        <a:rPr lang="de-DE" sz="1400" baseline="0" dirty="0" smtClean="0">
+                          <a:solidFill>
+                            <a:schemeClr val="tx1"/>
+                          </a:solidFill>
+                        </a:rPr>
+                        <a:t>, etc.)</a:t>
+                      </a:r>
                       <a:endParaRPr lang="de-DE" sz="1400" dirty="0">
                         <a:solidFill>
                           <a:schemeClr val="tx1"/>
